--- a/HackOnData_Team_Douglass.pptx
+++ b/HackOnData_Team_Douglass.pptx
@@ -3509,7 +3509,7 @@
             <a:pPr algn="l"/>
             <a:r>
               <a:rPr lang="en-US" sz="2000" dirty="0"/>
-              <a:t>Scott Thompson</a:t>
+              <a:t>Scot Thompson</a:t>
             </a:r>
           </a:p>
           <a:p>
@@ -3717,7 +3717,7 @@
           <a:p>
             <a:r>
               <a:rPr lang="en-US" sz="2000" dirty="0"/>
-              <a:t>Business Value Proposition</a:t>
+              <a:t>Brand Analytics</a:t>
             </a:r>
           </a:p>
           <a:p>
@@ -3965,7 +3965,7 @@
           <a:p>
             <a:r>
               <a:rPr lang="en-US" sz="4000" b="1" dirty="0"/>
-              <a:t>Business Value Proposition</a:t>
+              <a:t>Brand Analytics</a:t>
             </a:r>
           </a:p>
         </p:txBody>
@@ -4226,6 +4226,42 @@
           </a:p>
         </p:txBody>
       </p:sp>
+      <p:sp>
+        <p:nvSpPr>
+          <p:cNvPr id="3" name="Content Placeholder 2">
+            <a:extLst>
+              <a:ext uri="{FF2B5EF4-FFF2-40B4-BE49-F238E27FC236}">
+                <a16:creationId xmlns:a16="http://schemas.microsoft.com/office/drawing/2014/main" id="{794E8D0B-B762-4576-B059-113B8CFC593F}"/>
+              </a:ext>
+            </a:extLst>
+          </p:cNvPr>
+          <p:cNvSpPr>
+            <a:spLocks noGrp="1"/>
+          </p:cNvSpPr>
+          <p:nvPr>
+            <p:ph idx="1"/>
+          </p:nvPr>
+        </p:nvSpPr>
+        <p:spPr>
+          <a:xfrm>
+            <a:off x="594110" y="2121763"/>
+            <a:ext cx="5235490" cy="3773010"/>
+          </a:xfrm>
+        </p:spPr>
+        <p:txBody>
+          <a:bodyPr>
+            <a:normAutofit/>
+          </a:bodyPr>
+          <a:lstStyle/>
+          <a:p>
+            <a:r>
+              <a:rPr lang="en-US" sz="2000" dirty="0" err="1"/>
+              <a:t>PowerBi</a:t>
+            </a:r>
+            <a:endParaRPr lang="en-US" sz="2000" dirty="0"/>
+          </a:p>
+        </p:txBody>
+      </p:sp>
       <p:cxnSp>
         <p:nvCxnSpPr>
           <p:cNvPr id="7" name="Straight Connector 6">
@@ -4263,95 +4299,6 @@
           </a:fontRef>
         </p:style>
       </p:cxnSp>
-      <p:pic>
-        <p:nvPicPr>
-          <p:cNvPr id="9" name="Content Placeholder 8">
-            <a:extLst>
-              <a:ext uri="{FF2B5EF4-FFF2-40B4-BE49-F238E27FC236}">
-                <a16:creationId xmlns:a16="http://schemas.microsoft.com/office/drawing/2014/main" id="{6B2ADC90-317A-415A-B968-A933748B1054}"/>
-              </a:ext>
-            </a:extLst>
-          </p:cNvPr>
-          <p:cNvPicPr>
-            <a:picLocks noGrp="1" noChangeAspect="1"/>
-          </p:cNvPicPr>
-          <p:nvPr>
-            <p:ph idx="1"/>
-          </p:nvPr>
-        </p:nvPicPr>
-        <p:blipFill>
-          <a:blip r:embed="rId3">
-            <a:extLst>
-              <a:ext uri="{28A0092B-C50C-407E-A947-70E740481C1C}">
-                <a14:useLocalDpi xmlns:a14="http://schemas.microsoft.com/office/drawing/2010/main" val="0"/>
-              </a:ext>
-            </a:extLst>
-          </a:blip>
-          <a:stretch>
-            <a:fillRect/>
-          </a:stretch>
-        </p:blipFill>
-        <p:spPr>
-          <a:xfrm>
-            <a:off x="501265" y="2607496"/>
-            <a:ext cx="5540310" cy="3223453"/>
-          </a:xfrm>
-        </p:spPr>
-      </p:pic>
-      <p:sp>
-        <p:nvSpPr>
-          <p:cNvPr id="11" name="Title 1">
-            <a:extLst>
-              <a:ext uri="{FF2B5EF4-FFF2-40B4-BE49-F238E27FC236}">
-                <a16:creationId xmlns:a16="http://schemas.microsoft.com/office/drawing/2014/main" id="{CAD2AE58-8A1C-4533-95F0-D027D978F89F}"/>
-              </a:ext>
-            </a:extLst>
-          </p:cNvPr>
-          <p:cNvSpPr txBox="1">
-            <a:spLocks/>
-          </p:cNvSpPr>
-          <p:nvPr/>
-        </p:nvSpPr>
-        <p:spPr>
-          <a:xfrm>
-            <a:off x="601432" y="1746822"/>
-            <a:ext cx="6558943" cy="1344975"/>
-          </a:xfrm>
-          <a:prstGeom prst="rect">
-            <a:avLst/>
-          </a:prstGeom>
-        </p:spPr>
-        <p:txBody>
-          <a:bodyPr vert="horz" lIns="91440" tIns="45720" rIns="91440" bIns="45720" rtlCol="0" anchor="ctr">
-            <a:normAutofit/>
-          </a:bodyPr>
-          <a:lstStyle>
-            <a:lvl1pPr algn="l" defTabSz="914400" rtl="0" eaLnBrk="1" latinLnBrk="0" hangingPunct="1">
-              <a:lnSpc>
-                <a:spcPct val="90000"/>
-              </a:lnSpc>
-              <a:spcBef>
-                <a:spcPct val="0"/>
-              </a:spcBef>
-              <a:buNone/>
-              <a:defRPr sz="4400" kern="1200">
-                <a:solidFill>
-                  <a:schemeClr val="tx1"/>
-                </a:solidFill>
-                <a:latin typeface="+mj-lt"/>
-                <a:ea typeface="+mj-ea"/>
-                <a:cs typeface="+mj-cs"/>
-              </a:defRPr>
-            </a:lvl1pPr>
-          </a:lstStyle>
-          <a:p>
-            <a:r>
-              <a:rPr lang="en-US" sz="2400" b="1" dirty="0"/>
-              <a:t>Power BI App</a:t>
-            </a:r>
-          </a:p>
-        </p:txBody>
-      </p:sp>
     </p:spTree>
     <p:extLst>
       <p:ext uri="{BB962C8B-B14F-4D97-AF65-F5344CB8AC3E}">
@@ -5025,7 +4972,7 @@
             <a:pPr algn="l"/>
             <a:r>
               <a:rPr lang="en-US" sz="2000" dirty="0"/>
-              <a:t>Scot Thompson</a:t>
+              <a:t>Scott Thompson</a:t>
             </a:r>
           </a:p>
           <a:p>
